--- a/Get.that.number.Nathaniel.Jones.pptx
+++ b/Get.that.number.Nathaniel.Jones.pptx
@@ -201,7 +201,7 @@
           <a:p>
             <a:fld id="{CCF7FE01-B2D3-4574-AB8C-5233A102FDDC}" type="datetimeFigureOut">
               <a:rPr lang="en-US" smtClean="0"/>
-              <a:t>4/16/2021</a:t>
+              <a:t>12/4/2023</a:t>
             </a:fld>
             <a:endParaRPr lang="en-US"/>
           </a:p>
@@ -699,7 +699,7 @@
           <a:p>
             <a:fld id="{FD492D3C-1134-400C-9F22-565CD174A4ED}" type="datetimeFigureOut">
               <a:rPr lang="en-US" smtClean="0"/>
-              <a:t>4/16/2021</a:t>
+              <a:t>12/4/2023</a:t>
             </a:fld>
             <a:endParaRPr lang="en-US"/>
           </a:p>
@@ -897,7 +897,7 @@
           <a:p>
             <a:fld id="{FD492D3C-1134-400C-9F22-565CD174A4ED}" type="datetimeFigureOut">
               <a:rPr lang="en-US" smtClean="0"/>
-              <a:t>4/16/2021</a:t>
+              <a:t>12/4/2023</a:t>
             </a:fld>
             <a:endParaRPr lang="en-US"/>
           </a:p>
@@ -1105,7 +1105,7 @@
           <a:p>
             <a:fld id="{FD492D3C-1134-400C-9F22-565CD174A4ED}" type="datetimeFigureOut">
               <a:rPr lang="en-US" smtClean="0"/>
-              <a:t>4/16/2021</a:t>
+              <a:t>12/4/2023</a:t>
             </a:fld>
             <a:endParaRPr lang="en-US"/>
           </a:p>
@@ -1303,7 +1303,7 @@
           <a:p>
             <a:fld id="{FD492D3C-1134-400C-9F22-565CD174A4ED}" type="datetimeFigureOut">
               <a:rPr lang="en-US" smtClean="0"/>
-              <a:t>4/16/2021</a:t>
+              <a:t>12/4/2023</a:t>
             </a:fld>
             <a:endParaRPr lang="en-US"/>
           </a:p>
@@ -1578,7 +1578,7 @@
           <a:p>
             <a:fld id="{FD492D3C-1134-400C-9F22-565CD174A4ED}" type="datetimeFigureOut">
               <a:rPr lang="en-US" smtClean="0"/>
-              <a:t>4/16/2021</a:t>
+              <a:t>12/4/2023</a:t>
             </a:fld>
             <a:endParaRPr lang="en-US"/>
           </a:p>
@@ -1843,7 +1843,7 @@
           <a:p>
             <a:fld id="{FD492D3C-1134-400C-9F22-565CD174A4ED}" type="datetimeFigureOut">
               <a:rPr lang="en-US" smtClean="0"/>
-              <a:t>4/16/2021</a:t>
+              <a:t>12/4/2023</a:t>
             </a:fld>
             <a:endParaRPr lang="en-US"/>
           </a:p>
@@ -2255,7 +2255,7 @@
           <a:p>
             <a:fld id="{FD492D3C-1134-400C-9F22-565CD174A4ED}" type="datetimeFigureOut">
               <a:rPr lang="en-US" smtClean="0"/>
-              <a:t>4/16/2021</a:t>
+              <a:t>12/4/2023</a:t>
             </a:fld>
             <a:endParaRPr lang="en-US"/>
           </a:p>
@@ -2396,7 +2396,7 @@
           <a:p>
             <a:fld id="{FD492D3C-1134-400C-9F22-565CD174A4ED}" type="datetimeFigureOut">
               <a:rPr lang="en-US" smtClean="0"/>
-              <a:t>4/16/2021</a:t>
+              <a:t>12/4/2023</a:t>
             </a:fld>
             <a:endParaRPr lang="en-US"/>
           </a:p>
@@ -2509,7 +2509,7 @@
           <a:p>
             <a:fld id="{FD492D3C-1134-400C-9F22-565CD174A4ED}" type="datetimeFigureOut">
               <a:rPr lang="en-US" smtClean="0"/>
-              <a:t>4/16/2021</a:t>
+              <a:t>12/4/2023</a:t>
             </a:fld>
             <a:endParaRPr lang="en-US"/>
           </a:p>
@@ -2820,7 +2820,7 @@
           <a:p>
             <a:fld id="{FD492D3C-1134-400C-9F22-565CD174A4ED}" type="datetimeFigureOut">
               <a:rPr lang="en-US" smtClean="0"/>
-              <a:t>4/16/2021</a:t>
+              <a:t>12/4/2023</a:t>
             </a:fld>
             <a:endParaRPr lang="en-US"/>
           </a:p>
@@ -3108,7 +3108,7 @@
           <a:p>
             <a:fld id="{FD492D3C-1134-400C-9F22-565CD174A4ED}" type="datetimeFigureOut">
               <a:rPr lang="en-US" smtClean="0"/>
-              <a:t>4/16/2021</a:t>
+              <a:t>12/4/2023</a:t>
             </a:fld>
             <a:endParaRPr lang="en-US"/>
           </a:p>
@@ -3349,7 +3349,7 @@
           <a:p>
             <a:fld id="{FD492D3C-1134-400C-9F22-565CD174A4ED}" type="datetimeFigureOut">
               <a:rPr lang="en-US" smtClean="0"/>
-              <a:t>4/16/2021</a:t>
+              <a:t>12/4/2023</a:t>
             </a:fld>
             <a:endParaRPr lang="en-US"/>
           </a:p>
